--- a/Groep 5 week 6.pptx
+++ b/Groep 5 week 6.pptx
@@ -6,11 +6,12 @@
   </p:sldMasterIdLst>
   <p:sldIdLst>
     <p:sldId id="256" r:id="rId2"/>
-    <p:sldId id="257" r:id="rId3"/>
-    <p:sldId id="259" r:id="rId4"/>
-    <p:sldId id="260" r:id="rId5"/>
-    <p:sldId id="261" r:id="rId6"/>
-    <p:sldId id="258" r:id="rId7"/>
+    <p:sldId id="262" r:id="rId3"/>
+    <p:sldId id="257" r:id="rId4"/>
+    <p:sldId id="259" r:id="rId5"/>
+    <p:sldId id="260" r:id="rId6"/>
+    <p:sldId id="261" r:id="rId7"/>
+    <p:sldId id="258" r:id="rId8"/>
   </p:sldIdLst>
   <p:sldSz cx="12192000" cy="6858000"/>
   <p:notesSz cx="6858000" cy="9144000"/>
@@ -109,6 +110,11 @@
       </a:defRPr>
     </a:lvl9pPr>
   </p:defaultTextStyle>
+  <p:extLst>
+    <p:ext uri="{EFAFB233-063F-42B5-8137-9DF3F51BA10A}">
+      <p15:sldGuideLst xmlns:p15="http://schemas.microsoft.com/office/powerpoint/2012/main"/>
+    </p:ext>
+  </p:extLst>
 </p:presentation>
 </file>
 
@@ -295,7 +301,7 @@
           <a:p>
             <a:fld id="{4AAD347D-5ACD-4C99-B74B-A9C85AD731AF}" type="datetimeFigureOut">
               <a:rPr lang="en-US" dirty="0"/>
-              <a:t>3/28/2018</a:t>
+              <a:t>3/29/2018</a:t>
             </a:fld>
             <a:endParaRPr lang="en-US" dirty="0"/>
           </a:p>
@@ -565,7 +571,7 @@
           <a:p>
             <a:fld id="{4509A250-FF31-4206-8172-F9D3106AACB1}" type="datetimeFigureOut">
               <a:rPr lang="en-US" dirty="0"/>
-              <a:t>3/28/2018</a:t>
+              <a:t>3/29/2018</a:t>
             </a:fld>
             <a:endParaRPr lang="en-US" dirty="0"/>
           </a:p>
@@ -754,7 +760,7 @@
           <a:p>
             <a:fld id="{4509A250-FF31-4206-8172-F9D3106AACB1}" type="datetimeFigureOut">
               <a:rPr lang="en-US" dirty="0"/>
-              <a:t>3/28/2018</a:t>
+              <a:t>3/29/2018</a:t>
             </a:fld>
             <a:endParaRPr lang="en-US" dirty="0"/>
           </a:p>
@@ -1017,7 +1023,7 @@
           <a:p>
             <a:fld id="{4509A250-FF31-4206-8172-F9D3106AACB1}" type="datetimeFigureOut">
               <a:rPr lang="en-US" dirty="0"/>
-              <a:t>3/28/2018</a:t>
+              <a:t>3/29/2018</a:t>
             </a:fld>
             <a:endParaRPr lang="en-US" dirty="0"/>
           </a:p>
@@ -1344,7 +1350,7 @@
           <a:p>
             <a:fld id="{4509A250-FF31-4206-8172-F9D3106AACB1}" type="datetimeFigureOut">
               <a:rPr lang="en-US" dirty="0"/>
-              <a:t>3/28/2018</a:t>
+              <a:t>3/29/2018</a:t>
             </a:fld>
             <a:endParaRPr lang="en-US" dirty="0"/>
           </a:p>
@@ -1949,7 +1955,7 @@
           <a:p>
             <a:fld id="{4509A250-FF31-4206-8172-F9D3106AACB1}" type="datetimeFigureOut">
               <a:rPr lang="en-US" dirty="0"/>
-              <a:t>3/28/2018</a:t>
+              <a:t>3/29/2018</a:t>
             </a:fld>
             <a:endParaRPr lang="en-US" dirty="0"/>
           </a:p>
@@ -2791,7 +2797,7 @@
           <a:p>
             <a:fld id="{4509A250-FF31-4206-8172-F9D3106AACB1}" type="datetimeFigureOut">
               <a:rPr lang="en-US" dirty="0"/>
-              <a:t>3/28/2018</a:t>
+              <a:t>3/29/2018</a:t>
             </a:fld>
             <a:endParaRPr lang="en-US" dirty="0"/>
           </a:p>
@@ -2956,7 +2962,7 @@
           <a:p>
             <a:fld id="{4509A250-FF31-4206-8172-F9D3106AACB1}" type="datetimeFigureOut">
               <a:rPr lang="en-US" dirty="0"/>
-              <a:t>3/28/2018</a:t>
+              <a:t>3/29/2018</a:t>
             </a:fld>
             <a:endParaRPr lang="en-US" dirty="0"/>
           </a:p>
@@ -3131,7 +3137,7 @@
           <a:p>
             <a:fld id="{4509A250-FF31-4206-8172-F9D3106AACB1}" type="datetimeFigureOut">
               <a:rPr lang="en-US" dirty="0"/>
-              <a:t>3/28/2018</a:t>
+              <a:t>3/29/2018</a:t>
             </a:fld>
             <a:endParaRPr lang="en-US" dirty="0"/>
           </a:p>
@@ -3296,7 +3302,7 @@
           <a:p>
             <a:fld id="{4509A250-FF31-4206-8172-F9D3106AACB1}" type="datetimeFigureOut">
               <a:rPr lang="en-US" dirty="0"/>
-              <a:t>3/28/2018</a:t>
+              <a:t>3/29/2018</a:t>
             </a:fld>
             <a:endParaRPr lang="en-US" dirty="0"/>
           </a:p>
@@ -3535,7 +3541,7 @@
           <a:p>
             <a:fld id="{4509A250-FF31-4206-8172-F9D3106AACB1}" type="datetimeFigureOut">
               <a:rPr lang="en-US" dirty="0"/>
-              <a:t>3/28/2018</a:t>
+              <a:t>3/29/2018</a:t>
             </a:fld>
             <a:endParaRPr lang="en-US" dirty="0"/>
           </a:p>
@@ -3822,7 +3828,7 @@
           <a:p>
             <a:fld id="{4509A250-FF31-4206-8172-F9D3106AACB1}" type="datetimeFigureOut">
               <a:rPr lang="en-US" dirty="0"/>
-              <a:t>3/28/2018</a:t>
+              <a:t>3/29/2018</a:t>
             </a:fld>
             <a:endParaRPr lang="en-US" dirty="0"/>
           </a:p>
@@ -4255,7 +4261,7 @@
           <a:p>
             <a:fld id="{4509A250-FF31-4206-8172-F9D3106AACB1}" type="datetimeFigureOut">
               <a:rPr lang="en-US" dirty="0"/>
-              <a:t>3/28/2018</a:t>
+              <a:t>3/29/2018</a:t>
             </a:fld>
             <a:endParaRPr lang="en-US" dirty="0"/>
           </a:p>
@@ -4368,7 +4374,7 @@
           <a:p>
             <a:fld id="{4509A250-FF31-4206-8172-F9D3106AACB1}" type="datetimeFigureOut">
               <a:rPr lang="en-US" dirty="0"/>
-              <a:t>3/28/2018</a:t>
+              <a:t>3/29/2018</a:t>
             </a:fld>
             <a:endParaRPr lang="en-US" dirty="0"/>
           </a:p>
@@ -4458,7 +4464,7 @@
           <a:p>
             <a:fld id="{4509A250-FF31-4206-8172-F9D3106AACB1}" type="datetimeFigureOut">
               <a:rPr lang="en-US" dirty="0"/>
-              <a:t>3/28/2018</a:t>
+              <a:t>3/29/2018</a:t>
             </a:fld>
             <a:endParaRPr lang="en-US" dirty="0"/>
           </a:p>
@@ -4732,7 +4738,7 @@
           <a:p>
             <a:fld id="{4509A250-FF31-4206-8172-F9D3106AACB1}" type="datetimeFigureOut">
               <a:rPr lang="en-US" dirty="0"/>
-              <a:t>3/28/2018</a:t>
+              <a:t>3/29/2018</a:t>
             </a:fld>
             <a:endParaRPr lang="en-US" dirty="0"/>
           </a:p>
@@ -5002,7 +5008,7 @@
           <a:p>
             <a:fld id="{4509A250-FF31-4206-8172-F9D3106AACB1}" type="datetimeFigureOut">
               <a:rPr lang="en-US" dirty="0"/>
-              <a:t>3/28/2018</a:t>
+              <a:t>3/29/2018</a:t>
             </a:fld>
             <a:endParaRPr lang="en-US" dirty="0"/>
           </a:p>
@@ -5426,7 +5432,7 @@
           <a:p>
             <a:fld id="{4509A250-FF31-4206-8172-F9D3106AACB1}" type="datetimeFigureOut">
               <a:rPr lang="en-US" dirty="0"/>
-              <a:t>3/28/2018</a:t>
+              <a:t>3/29/2018</a:t>
             </a:fld>
             <a:endParaRPr lang="en-US" dirty="0"/>
           </a:p>
@@ -6018,6 +6024,93 @@
           <a:chExt cx="0" cy="0"/>
         </a:xfrm>
       </p:grpSpPr>
+      <p:sp>
+        <p:nvSpPr>
+          <p:cNvPr id="2" name="Titel 1">
+            <a:extLst>
+              <a:ext uri="{FF2B5EF4-FFF2-40B4-BE49-F238E27FC236}">
+                <a16:creationId xmlns:a16="http://schemas.microsoft.com/office/drawing/2014/main" id="{0681C641-18C3-4DEA-87DA-94FF0F97E009}"/>
+              </a:ext>
+            </a:extLst>
+          </p:cNvPr>
+          <p:cNvSpPr>
+            <a:spLocks noGrp="1"/>
+          </p:cNvSpPr>
+          <p:nvPr>
+            <p:ph type="title"/>
+          </p:nvPr>
+        </p:nvSpPr>
+        <p:spPr/>
+        <p:txBody>
+          <a:bodyPr/>
+          <a:lstStyle/>
+          <a:p>
+            <a:r>
+              <a:rPr lang="nl-NL" dirty="0"/>
+              <a:t>Boom</a:t>
+            </a:r>
+          </a:p>
+        </p:txBody>
+      </p:sp>
+      <p:pic>
+        <p:nvPicPr>
+          <p:cNvPr id="5" name="Tijdelijke aanduiding voor inhoud 4">
+            <a:extLst>
+              <a:ext uri="{FF2B5EF4-FFF2-40B4-BE49-F238E27FC236}">
+                <a16:creationId xmlns:a16="http://schemas.microsoft.com/office/drawing/2014/main" id="{3A5505EF-FEA3-4B21-8517-7D0CC547902F}"/>
+              </a:ext>
+            </a:extLst>
+          </p:cNvPr>
+          <p:cNvPicPr>
+            <a:picLocks noGrp="1" noChangeAspect="1"/>
+          </p:cNvPicPr>
+          <p:nvPr>
+            <p:ph idx="1"/>
+          </p:nvPr>
+        </p:nvPicPr>
+        <p:blipFill>
+          <a:blip r:embed="rId2"/>
+          <a:stretch>
+            <a:fillRect/>
+          </a:stretch>
+        </p:blipFill>
+        <p:spPr>
+          <a:xfrm>
+            <a:off x="2757713" y="727601"/>
+            <a:ext cx="8186057" cy="5402798"/>
+          </a:xfrm>
+        </p:spPr>
+      </p:pic>
+    </p:spTree>
+    <p:extLst>
+      <p:ext uri="{BB962C8B-B14F-4D97-AF65-F5344CB8AC3E}">
+        <p14:creationId xmlns:p14="http://schemas.microsoft.com/office/powerpoint/2010/main" val="95868289"/>
+      </p:ext>
+    </p:extLst>
+  </p:cSld>
+  <p:clrMapOvr>
+    <a:masterClrMapping/>
+  </p:clrMapOvr>
+</p:sld>
+</file>
+
+<file path=ppt/slides/slide3.xml><?xml version="1.0" encoding="utf-8"?>
+<p:sld xmlns:a="http://schemas.openxmlformats.org/drawingml/2006/main" xmlns:r="http://schemas.openxmlformats.org/officeDocument/2006/relationships" xmlns:p="http://schemas.openxmlformats.org/presentationml/2006/main">
+  <p:cSld>
+    <p:spTree>
+      <p:nvGrpSpPr>
+        <p:cNvPr id="1" name=""/>
+        <p:cNvGrpSpPr/>
+        <p:nvPr/>
+      </p:nvGrpSpPr>
+      <p:grpSpPr>
+        <a:xfrm>
+          <a:off x="0" y="0"/>
+          <a:ext cx="0" cy="0"/>
+          <a:chOff x="0" y="0"/>
+          <a:chExt cx="0" cy="0"/>
+        </a:xfrm>
+      </p:grpSpPr>
       <p:pic>
         <p:nvPicPr>
           <p:cNvPr id="9" name="Afbeelding 8">
@@ -6148,7 +6241,7 @@
 </p:sld>
 </file>
 
-<file path=ppt/slides/slide3.xml><?xml version="1.0" encoding="utf-8"?>
+<file path=ppt/slides/slide4.xml><?xml version="1.0" encoding="utf-8"?>
 <p:sld xmlns:a="http://schemas.openxmlformats.org/drawingml/2006/main" xmlns:r="http://schemas.openxmlformats.org/officeDocument/2006/relationships" xmlns:p="http://schemas.openxmlformats.org/presentationml/2006/main">
   <p:cSld>
     <p:spTree>
@@ -6167,123 +6260,10 @@
       </p:grpSpPr>
       <p:pic>
         <p:nvPicPr>
-          <p:cNvPr id="5" name="Tijdelijke aanduiding voor inhoud 4">
+          <p:cNvPr id="7" name="Tijdelijke aanduiding voor inhoud 6">
             <a:extLst>
               <a:ext uri="{FF2B5EF4-FFF2-40B4-BE49-F238E27FC236}">
-                <a16:creationId xmlns:a16="http://schemas.microsoft.com/office/drawing/2014/main" id="{78B4B91A-5A7C-4C46-881C-E1FB5FA6C970}"/>
-              </a:ext>
-            </a:extLst>
-          </p:cNvPr>
-          <p:cNvPicPr>
-            <a:picLocks noGrp="1" noChangeAspect="1"/>
-          </p:cNvPicPr>
-          <p:nvPr>
-            <p:ph idx="1"/>
-          </p:nvPr>
-        </p:nvPicPr>
-        <p:blipFill>
-          <a:blip r:embed="rId2"/>
-          <a:stretch>
-            <a:fillRect/>
-          </a:stretch>
-        </p:blipFill>
-        <p:spPr>
-          <a:xfrm>
-            <a:off x="-18132" y="0"/>
-            <a:ext cx="12228264" cy="6405282"/>
-          </a:xfrm>
-        </p:spPr>
-      </p:pic>
-      <p:sp>
-        <p:nvSpPr>
-          <p:cNvPr id="2" name="Titel 1">
-            <a:extLst>
-              <a:ext uri="{FF2B5EF4-FFF2-40B4-BE49-F238E27FC236}">
-                <a16:creationId xmlns:a16="http://schemas.microsoft.com/office/drawing/2014/main" id="{A6909B6B-0274-40DA-9C82-1C0D4F593266}"/>
-              </a:ext>
-            </a:extLst>
-          </p:cNvPr>
-          <p:cNvSpPr>
-            <a:spLocks noGrp="1"/>
-          </p:cNvSpPr>
-          <p:nvPr>
-            <p:ph type="title"/>
-          </p:nvPr>
-        </p:nvSpPr>
-        <p:spPr/>
-        <p:txBody>
-          <a:bodyPr/>
-          <a:lstStyle/>
-          <a:p>
-            <a:endParaRPr lang="nl-NL" dirty="0">
-              <a:solidFill>
-                <a:schemeClr val="bg1"/>
-              </a:solidFill>
-            </a:endParaRPr>
-          </a:p>
-        </p:txBody>
-      </p:sp>
-    </p:spTree>
-    <p:extLst>
-      <p:ext uri="{BB962C8B-B14F-4D97-AF65-F5344CB8AC3E}">
-        <p14:creationId xmlns:p14="http://schemas.microsoft.com/office/powerpoint/2010/main" val="2977754808"/>
-      </p:ext>
-    </p:extLst>
-  </p:cSld>
-  <p:clrMapOvr>
-    <a:masterClrMapping/>
-  </p:clrMapOvr>
-</p:sld>
-</file>
-
-<file path=ppt/slides/slide4.xml><?xml version="1.0" encoding="utf-8"?>
-<p:sld xmlns:a="http://schemas.openxmlformats.org/drawingml/2006/main" xmlns:r="http://schemas.openxmlformats.org/officeDocument/2006/relationships" xmlns:p="http://schemas.openxmlformats.org/presentationml/2006/main">
-  <p:cSld>
-    <p:spTree>
-      <p:nvGrpSpPr>
-        <p:cNvPr id="1" name=""/>
-        <p:cNvGrpSpPr/>
-        <p:nvPr/>
-      </p:nvGrpSpPr>
-      <p:grpSpPr>
-        <a:xfrm>
-          <a:off x="0" y="0"/>
-          <a:ext cx="0" cy="0"/>
-          <a:chOff x="0" y="0"/>
-          <a:chExt cx="0" cy="0"/>
-        </a:xfrm>
-      </p:grpSpPr>
-      <p:sp>
-        <p:nvSpPr>
-          <p:cNvPr id="2" name="Titel 1">
-            <a:extLst>
-              <a:ext uri="{FF2B5EF4-FFF2-40B4-BE49-F238E27FC236}">
-                <a16:creationId xmlns:a16="http://schemas.microsoft.com/office/drawing/2014/main" id="{72F8A6CB-F2D9-444D-8001-A049D818BD4C}"/>
-              </a:ext>
-            </a:extLst>
-          </p:cNvPr>
-          <p:cNvSpPr>
-            <a:spLocks noGrp="1"/>
-          </p:cNvSpPr>
-          <p:nvPr>
-            <p:ph type="title"/>
-          </p:nvPr>
-        </p:nvSpPr>
-        <p:spPr/>
-        <p:txBody>
-          <a:bodyPr/>
-          <a:lstStyle/>
-          <a:p>
-            <a:endParaRPr lang="nl-NL"/>
-          </a:p>
-        </p:txBody>
-      </p:sp>
-      <p:pic>
-        <p:nvPicPr>
-          <p:cNvPr id="5" name="Tijdelijke aanduiding voor inhoud 4">
-            <a:extLst>
-              <a:ext uri="{FF2B5EF4-FFF2-40B4-BE49-F238E27FC236}">
-                <a16:creationId xmlns:a16="http://schemas.microsoft.com/office/drawing/2014/main" id="{83005524-976F-44A7-BCA6-2AB899DC8CAC}"/>
+                <a16:creationId xmlns:a16="http://schemas.microsoft.com/office/drawing/2014/main" id="{DBE319DB-2292-4DA4-977A-F568501E85AF}"/>
               </a:ext>
             </a:extLst>
           </p:cNvPr>
@@ -6303,14 +6283,46 @@
         <p:spPr>
           <a:xfrm>
             <a:off x="0" y="0"/>
-            <a:ext cx="12192000" cy="6782696"/>
+            <a:ext cx="12228265" cy="6405282"/>
           </a:xfrm>
         </p:spPr>
       </p:pic>
+      <p:sp>
+        <p:nvSpPr>
+          <p:cNvPr id="2" name="Titel 1">
+            <a:extLst>
+              <a:ext uri="{FF2B5EF4-FFF2-40B4-BE49-F238E27FC236}">
+                <a16:creationId xmlns:a16="http://schemas.microsoft.com/office/drawing/2014/main" id="{A6909B6B-0274-40DA-9C82-1C0D4F593266}"/>
+              </a:ext>
+            </a:extLst>
+          </p:cNvPr>
+          <p:cNvSpPr>
+            <a:spLocks noGrp="1"/>
+          </p:cNvSpPr>
+          <p:nvPr>
+            <p:ph type="title"/>
+          </p:nvPr>
+        </p:nvSpPr>
+        <p:spPr/>
+        <p:txBody>
+          <a:bodyPr/>
+          <a:lstStyle/>
+          <a:p>
+            <a:r>
+              <a:rPr lang="nl-NL" dirty="0">
+                <a:solidFill>
+                  <a:schemeClr val="bg1"/>
+                </a:solidFill>
+              </a:rPr>
+              <a:t>GAG</a:t>
+            </a:r>
+          </a:p>
+        </p:txBody>
+      </p:sp>
     </p:spTree>
     <p:extLst>
       <p:ext uri="{BB962C8B-B14F-4D97-AF65-F5344CB8AC3E}">
-        <p14:creationId xmlns:p14="http://schemas.microsoft.com/office/powerpoint/2010/main" val="1742505746"/>
+        <p14:creationId xmlns:p14="http://schemas.microsoft.com/office/powerpoint/2010/main" val="2977754808"/>
       </p:ext>
     </p:extLst>
   </p:cSld>
@@ -6337,12 +6349,41 @@
           <a:chExt cx="0" cy="0"/>
         </a:xfrm>
       </p:grpSpPr>
+      <p:pic>
+        <p:nvPicPr>
+          <p:cNvPr id="7" name="Tijdelijke aanduiding voor inhoud 6">
+            <a:extLst>
+              <a:ext uri="{FF2B5EF4-FFF2-40B4-BE49-F238E27FC236}">
+                <a16:creationId xmlns:a16="http://schemas.microsoft.com/office/drawing/2014/main" id="{7CAC078D-C6E5-4B96-B2E2-5A5CEEEAAD36}"/>
+              </a:ext>
+            </a:extLst>
+          </p:cNvPr>
+          <p:cNvPicPr>
+            <a:picLocks noGrp="1" noChangeAspect="1"/>
+          </p:cNvPicPr>
+          <p:nvPr>
+            <p:ph idx="1"/>
+          </p:nvPr>
+        </p:nvPicPr>
+        <p:blipFill>
+          <a:blip r:embed="rId2"/>
+          <a:stretch>
+            <a:fillRect/>
+          </a:stretch>
+        </p:blipFill>
+        <p:spPr>
+          <a:xfrm>
+            <a:off x="0" y="0"/>
+            <a:ext cx="12192000" cy="6782696"/>
+          </a:xfrm>
+        </p:spPr>
+      </p:pic>
       <p:sp>
         <p:nvSpPr>
           <p:cNvPr id="2" name="Titel 1">
             <a:extLst>
               <a:ext uri="{FF2B5EF4-FFF2-40B4-BE49-F238E27FC236}">
-                <a16:creationId xmlns:a16="http://schemas.microsoft.com/office/drawing/2014/main" id="{669ABE19-79BF-48B7-A982-7E1A30D1276F}"/>
+                <a16:creationId xmlns:a16="http://schemas.microsoft.com/office/drawing/2014/main" id="{72F8A6CB-F2D9-444D-8001-A049D818BD4C}"/>
               </a:ext>
             </a:extLst>
           </p:cNvPr>
@@ -6359,84 +6400,20 @@
           <a:lstStyle/>
           <a:p>
             <a:r>
-              <a:rPr lang="nl-NL" dirty="0"/>
-              <a:t>Conclusie</a:t>
-            </a:r>
-            <a:br>
-              <a:rPr lang="nl-NL" dirty="0"/>
-            </a:br>
-            <a:r>
-              <a:rPr lang="nl-NL" dirty="0"/>
-              <a:t>	</a:t>
-            </a:r>
-          </a:p>
-        </p:txBody>
-      </p:sp>
-      <p:sp>
-        <p:nvSpPr>
-          <p:cNvPr id="3" name="Tijdelijke aanduiding voor inhoud 2">
-            <a:extLst>
-              <a:ext uri="{FF2B5EF4-FFF2-40B4-BE49-F238E27FC236}">
-                <a16:creationId xmlns:a16="http://schemas.microsoft.com/office/drawing/2014/main" id="{8217C107-F424-4C40-ACF1-6A87622B2A13}"/>
-              </a:ext>
-            </a:extLst>
-          </p:cNvPr>
-          <p:cNvSpPr>
-            <a:spLocks noGrp="1"/>
-          </p:cNvSpPr>
-          <p:nvPr>
-            <p:ph idx="1"/>
-          </p:nvPr>
-        </p:nvSpPr>
-        <p:spPr/>
-        <p:txBody>
-          <a:bodyPr/>
-          <a:lstStyle/>
-          <a:p>
-            <a:r>
-              <a:rPr lang="nl-NL" dirty="0"/>
-              <a:t>Hiv en </a:t>
-            </a:r>
-            <a:r>
-              <a:rPr lang="nl-NL" dirty="0" err="1"/>
-              <a:t>Siv</a:t>
-            </a:r>
-            <a:r>
-              <a:rPr lang="nl-NL" dirty="0"/>
-              <a:t> hebben dezelfde </a:t>
-            </a:r>
-            <a:r>
-              <a:rPr lang="nl-NL" dirty="0" err="1"/>
-              <a:t>gezamelijke</a:t>
-            </a:r>
-            <a:r>
-              <a:rPr lang="nl-NL" dirty="0"/>
-              <a:t> voorouder op ongeveer 4 stappen. (in deze bomen)</a:t>
-            </a:r>
-          </a:p>
-          <a:p>
-            <a:endParaRPr lang="nl-NL" dirty="0"/>
-          </a:p>
-          <a:p>
-            <a:r>
-              <a:rPr lang="nl-NL" dirty="0"/>
-              <a:t>Zowel in Oppervlakte en </a:t>
-            </a:r>
-            <a:r>
-              <a:rPr lang="nl-NL" dirty="0" err="1"/>
-              <a:t>Env</a:t>
-            </a:r>
-            <a:endParaRPr lang="nl-NL" dirty="0"/>
-          </a:p>
-          <a:p>
-            <a:endParaRPr lang="nl-NL" dirty="0"/>
+              <a:rPr lang="nl-NL" dirty="0">
+                <a:solidFill>
+                  <a:schemeClr val="bg1"/>
+                </a:solidFill>
+              </a:rPr>
+              <a:t>ENV</a:t>
+            </a:r>
           </a:p>
         </p:txBody>
       </p:sp>
     </p:spTree>
     <p:extLst>
       <p:ext uri="{BB962C8B-B14F-4D97-AF65-F5344CB8AC3E}">
-        <p14:creationId xmlns:p14="http://schemas.microsoft.com/office/powerpoint/2010/main" val="199017921"/>
+        <p14:creationId xmlns:p14="http://schemas.microsoft.com/office/powerpoint/2010/main" val="1742505746"/>
       </p:ext>
     </p:extLst>
   </p:cSld>
@@ -6468,6 +6445,96 @@
           <p:cNvPr id="2" name="Titel 1">
             <a:extLst>
               <a:ext uri="{FF2B5EF4-FFF2-40B4-BE49-F238E27FC236}">
+                <a16:creationId xmlns:a16="http://schemas.microsoft.com/office/drawing/2014/main" id="{669ABE19-79BF-48B7-A982-7E1A30D1276F}"/>
+              </a:ext>
+            </a:extLst>
+          </p:cNvPr>
+          <p:cNvSpPr>
+            <a:spLocks noGrp="1"/>
+          </p:cNvSpPr>
+          <p:nvPr>
+            <p:ph type="title"/>
+          </p:nvPr>
+        </p:nvSpPr>
+        <p:spPr/>
+        <p:txBody>
+          <a:bodyPr/>
+          <a:lstStyle/>
+          <a:p>
+            <a:r>
+              <a:rPr lang="nl-NL" dirty="0"/>
+              <a:t>Conclusie</a:t>
+            </a:r>
+            <a:br>
+              <a:rPr lang="nl-NL" dirty="0"/>
+            </a:br>
+            <a:r>
+              <a:rPr lang="nl-NL" dirty="0"/>
+              <a:t>	</a:t>
+            </a:r>
+          </a:p>
+        </p:txBody>
+      </p:sp>
+      <p:sp>
+        <p:nvSpPr>
+          <p:cNvPr id="3" name="Tijdelijke aanduiding voor inhoud 2">
+            <a:extLst>
+              <a:ext uri="{FF2B5EF4-FFF2-40B4-BE49-F238E27FC236}">
+                <a16:creationId xmlns:a16="http://schemas.microsoft.com/office/drawing/2014/main" id="{8217C107-F424-4C40-ACF1-6A87622B2A13}"/>
+              </a:ext>
+            </a:extLst>
+          </p:cNvPr>
+          <p:cNvSpPr>
+            <a:spLocks noGrp="1"/>
+          </p:cNvSpPr>
+          <p:nvPr>
+            <p:ph idx="1"/>
+          </p:nvPr>
+        </p:nvSpPr>
+        <p:spPr/>
+        <p:txBody>
+          <a:bodyPr/>
+          <a:lstStyle/>
+          <a:p>
+            <a:endParaRPr lang="nl-NL" dirty="0"/>
+          </a:p>
+        </p:txBody>
+      </p:sp>
+    </p:spTree>
+    <p:extLst>
+      <p:ext uri="{BB962C8B-B14F-4D97-AF65-F5344CB8AC3E}">
+        <p14:creationId xmlns:p14="http://schemas.microsoft.com/office/powerpoint/2010/main" val="199017921"/>
+      </p:ext>
+    </p:extLst>
+  </p:cSld>
+  <p:clrMapOvr>
+    <a:masterClrMapping/>
+  </p:clrMapOvr>
+</p:sld>
+</file>
+
+<file path=ppt/slides/slide7.xml><?xml version="1.0" encoding="utf-8"?>
+<p:sld xmlns:a="http://schemas.openxmlformats.org/drawingml/2006/main" xmlns:r="http://schemas.openxmlformats.org/officeDocument/2006/relationships" xmlns:p="http://schemas.openxmlformats.org/presentationml/2006/main">
+  <p:cSld>
+    <p:spTree>
+      <p:nvGrpSpPr>
+        <p:cNvPr id="1" name=""/>
+        <p:cNvGrpSpPr/>
+        <p:nvPr/>
+      </p:nvGrpSpPr>
+      <p:grpSpPr>
+        <a:xfrm>
+          <a:off x="0" y="0"/>
+          <a:ext cx="0" cy="0"/>
+          <a:chOff x="0" y="0"/>
+          <a:chExt cx="0" cy="0"/>
+        </a:xfrm>
+      </p:grpSpPr>
+      <p:sp>
+        <p:nvSpPr>
+          <p:cNvPr id="2" name="Titel 1">
+            <a:extLst>
+              <a:ext uri="{FF2B5EF4-FFF2-40B4-BE49-F238E27FC236}">
                 <a16:creationId xmlns:a16="http://schemas.microsoft.com/office/drawing/2014/main" id="{B63C02D1-6367-420C-865F-86700F1E8DE1}"/>
               </a:ext>
             </a:extLst>
@@ -6514,7 +6581,7 @@
           <a:p>
             <a:r>
               <a:rPr lang="nl-NL" dirty="0"/>
-              <a:t>Achtergrond dia 2: </a:t>
+              <a:t>Achtergrond dia 3: </a:t>
             </a:r>
             <a:br>
               <a:rPr lang="nl-NL" dirty="0"/>
@@ -6528,7 +6595,17 @@
             <a:endParaRPr lang="nl-NL" dirty="0"/>
           </a:p>
           <a:p>
-            <a:endParaRPr lang="nl-NL" dirty="0"/>
+            <a:r>
+              <a:rPr lang="nl-NL" dirty="0"/>
+              <a:t>Afbeelding dia 2:</a:t>
+            </a:r>
+            <a:br>
+              <a:rPr lang="nl-NL" dirty="0"/>
+            </a:br>
+            <a:r>
+              <a:rPr lang="nl-NL" dirty="0"/>
+              <a:t>https://nl.dreamstime.com/stock-foto-grote-boom-image1349560</a:t>
+            </a:r>
           </a:p>
           <a:p>
             <a:pPr marL="0" indent="0">
